--- a/prezentacie/t16w.pptx
+++ b/prezentacie/t16w.pptx
@@ -251,7 +251,7 @@
           <a:p>
             <a:fld id="{10052495-8BC8-4CFB-94B1-B0429F101A0D}" type="datetimeFigureOut">
               <a:rPr lang="sk-SK" smtClean="0"/>
-              <a:t>4. 1. 2026</a:t>
+              <a:t>13. 1. 2026</a:t>
             </a:fld>
             <a:endParaRPr lang="sk-SK"/>
           </a:p>
@@ -421,7 +421,7 @@
           <a:p>
             <a:fld id="{10052495-8BC8-4CFB-94B1-B0429F101A0D}" type="datetimeFigureOut">
               <a:rPr lang="sk-SK" smtClean="0"/>
-              <a:t>4. 1. 2026</a:t>
+              <a:t>13. 1. 2026</a:t>
             </a:fld>
             <a:endParaRPr lang="sk-SK"/>
           </a:p>
@@ -601,7 +601,7 @@
           <a:p>
             <a:fld id="{10052495-8BC8-4CFB-94B1-B0429F101A0D}" type="datetimeFigureOut">
               <a:rPr lang="sk-SK" smtClean="0"/>
-              <a:t>4. 1. 2026</a:t>
+              <a:t>13. 1. 2026</a:t>
             </a:fld>
             <a:endParaRPr lang="sk-SK"/>
           </a:p>
@@ -771,7 +771,7 @@
           <a:p>
             <a:fld id="{10052495-8BC8-4CFB-94B1-B0429F101A0D}" type="datetimeFigureOut">
               <a:rPr lang="sk-SK" smtClean="0"/>
-              <a:t>4. 1. 2026</a:t>
+              <a:t>13. 1. 2026</a:t>
             </a:fld>
             <a:endParaRPr lang="sk-SK"/>
           </a:p>
@@ -1017,7 +1017,7 @@
           <a:p>
             <a:fld id="{10052495-8BC8-4CFB-94B1-B0429F101A0D}" type="datetimeFigureOut">
               <a:rPr lang="sk-SK" smtClean="0"/>
-              <a:t>4. 1. 2026</a:t>
+              <a:t>13. 1. 2026</a:t>
             </a:fld>
             <a:endParaRPr lang="sk-SK"/>
           </a:p>
@@ -1249,7 +1249,7 @@
           <a:p>
             <a:fld id="{10052495-8BC8-4CFB-94B1-B0429F101A0D}" type="datetimeFigureOut">
               <a:rPr lang="sk-SK" smtClean="0"/>
-              <a:t>4. 1. 2026</a:t>
+              <a:t>13. 1. 2026</a:t>
             </a:fld>
             <a:endParaRPr lang="sk-SK"/>
           </a:p>
@@ -1616,7 +1616,7 @@
           <a:p>
             <a:fld id="{10052495-8BC8-4CFB-94B1-B0429F101A0D}" type="datetimeFigureOut">
               <a:rPr lang="sk-SK" smtClean="0"/>
-              <a:t>4. 1. 2026</a:t>
+              <a:t>13. 1. 2026</a:t>
             </a:fld>
             <a:endParaRPr lang="sk-SK"/>
           </a:p>
@@ -1734,7 +1734,7 @@
           <a:p>
             <a:fld id="{10052495-8BC8-4CFB-94B1-B0429F101A0D}" type="datetimeFigureOut">
               <a:rPr lang="sk-SK" smtClean="0"/>
-              <a:t>4. 1. 2026</a:t>
+              <a:t>13. 1. 2026</a:t>
             </a:fld>
             <a:endParaRPr lang="sk-SK"/>
           </a:p>
@@ -1829,7 +1829,7 @@
           <a:p>
             <a:fld id="{10052495-8BC8-4CFB-94B1-B0429F101A0D}" type="datetimeFigureOut">
               <a:rPr lang="sk-SK" smtClean="0"/>
-              <a:t>4. 1. 2026</a:t>
+              <a:t>13. 1. 2026</a:t>
             </a:fld>
             <a:endParaRPr lang="sk-SK"/>
           </a:p>
@@ -2106,7 +2106,7 @@
           <a:p>
             <a:fld id="{10052495-8BC8-4CFB-94B1-B0429F101A0D}" type="datetimeFigureOut">
               <a:rPr lang="sk-SK" smtClean="0"/>
-              <a:t>4. 1. 2026</a:t>
+              <a:t>13. 1. 2026</a:t>
             </a:fld>
             <a:endParaRPr lang="sk-SK"/>
           </a:p>
@@ -2363,7 +2363,7 @@
           <a:p>
             <a:fld id="{10052495-8BC8-4CFB-94B1-B0429F101A0D}" type="datetimeFigureOut">
               <a:rPr lang="sk-SK" smtClean="0"/>
-              <a:t>4. 1. 2026</a:t>
+              <a:t>13. 1. 2026</a:t>
             </a:fld>
             <a:endParaRPr lang="sk-SK"/>
           </a:p>
@@ -2576,7 +2576,7 @@
           <a:p>
             <a:fld id="{10052495-8BC8-4CFB-94B1-B0429F101A0D}" type="datetimeFigureOut">
               <a:rPr lang="sk-SK" smtClean="0"/>
-              <a:t>4. 1. 2026</a:t>
+              <a:t>13. 1. 2026</a:t>
             </a:fld>
             <a:endParaRPr lang="sk-SK"/>
           </a:p>
@@ -5274,7 +5274,19 @@
             </a:pPr>
             <a:r>
               <a:rPr lang="sk-SK" dirty="0"/>
-              <a:t>Zoznam ciest k zdrojovým súborom sa v Jave volá </a:t>
+              <a:t>Zoznam ciest k </a:t>
+            </a:r>
+            <a:r>
+              <a:rPr lang="en-US" dirty="0" err="1"/>
+              <a:t>skompilovan</a:t>
+            </a:r>
+            <a:r>
+              <a:rPr lang="sk-SK" dirty="0" err="1"/>
+              <a:t>ým</a:t>
+            </a:r>
+            <a:r>
+              <a:rPr lang="sk-SK" dirty="0"/>
+              <a:t> súborom sa v Jave volá </a:t>
             </a:r>
             <a:r>
               <a:rPr lang="sk-SK" b="1" dirty="0" err="1"/>
@@ -5305,13 +5317,13 @@
               <a:t> sa uvádza vždy iba koreňový adresár (napr. </a:t>
             </a:r>
             <a:r>
-              <a:rPr lang="sk-SK" dirty="0" err="1">
-                <a:highlight>
-                  <a:srgbClr val="FFFF00"/>
-                </a:highlight>
-                <a:latin typeface="Consolas" panose="020B0609020204030204" pitchFamily="49" charset="0"/>
-              </a:rPr>
-              <a:t>src</a:t>
+              <a:rPr lang="en-US" dirty="0">
+                <a:highlight>
+                  <a:srgbClr val="FFFF00"/>
+                </a:highlight>
+                <a:latin typeface="Consolas" panose="020B0609020204030204" pitchFamily="49" charset="0"/>
+              </a:rPr>
+              <a:t>out/production</a:t>
             </a:r>
             <a:r>
               <a:rPr lang="sk-SK" dirty="0"/>
@@ -5376,13 +5388,49 @@
               <a:t>: </a:t>
             </a:r>
             <a:r>
+              <a:rPr lang="en-US" dirty="0">
+                <a:highlight>
+                  <a:srgbClr val="FFFF00"/>
+                </a:highlight>
+                <a:latin typeface="Consolas" panose="020B0609020204030204" pitchFamily="49" charset="0"/>
+              </a:rPr>
+              <a:t>out</a:t>
+            </a:r>
+            <a:r>
+              <a:rPr lang="sk-SK" dirty="0">
+                <a:highlight>
+                  <a:srgbClr val="FFFF00"/>
+                </a:highlight>
+                <a:latin typeface="Consolas" panose="020B0609020204030204" pitchFamily="49" charset="0"/>
+              </a:rPr>
+              <a:t>;</a:t>
+            </a:r>
+            <a:r>
+              <a:rPr lang="en-US" dirty="0">
+                <a:highlight>
+                  <a:srgbClr val="FFFF00"/>
+                </a:highlight>
+                <a:latin typeface="Consolas" panose="020B0609020204030204" pitchFamily="49" charset="0"/>
+              </a:rPr>
+              <a:t>out</a:t>
+            </a:r>
+            <a:r>
+              <a:rPr lang="sk-SK" dirty="0">
+                <a:highlight>
+                  <a:srgbClr val="FFFF00"/>
+                </a:highlight>
+                <a:latin typeface="Consolas" panose="020B0609020204030204" pitchFamily="49" charset="0"/>
+              </a:rPr>
+              <a:t>-</a:t>
+            </a:r>
+            <a:r>
               <a:rPr lang="sk-SK" dirty="0" err="1">
                 <a:highlight>
                   <a:srgbClr val="FFFF00"/>
                 </a:highlight>
                 <a:latin typeface="Consolas" panose="020B0609020204030204" pitchFamily="49" charset="0"/>
               </a:rPr>
-              <a:t>src;src-other;external</a:t>
+              <a:t>other;external</a:t>
             </a:r>
             <a:r>
               <a:rPr lang="sk-SK" dirty="0">
@@ -5394,13 +5442,13 @@
               <a:t>/</a:t>
             </a:r>
             <a:r>
-              <a:rPr lang="sk-SK" dirty="0" err="1">
-                <a:highlight>
-                  <a:srgbClr val="FFFF00"/>
-                </a:highlight>
-                <a:latin typeface="Consolas" panose="020B0609020204030204" pitchFamily="49" charset="0"/>
-              </a:rPr>
-              <a:t>src</a:t>
+              <a:rPr lang="en-US" dirty="0">
+                <a:highlight>
+                  <a:srgbClr val="FFFF00"/>
+                </a:highlight>
+                <a:latin typeface="Consolas" panose="020B0609020204030204" pitchFamily="49" charset="0"/>
+              </a:rPr>
+              <a:t>out</a:t>
             </a:r>
             <a:endParaRPr lang="sk-SK" dirty="0">
               <a:highlight>
@@ -6198,7 +6246,7 @@
                 </a:highlight>
                 <a:latin typeface="Consolas" panose="020B0609020204030204" pitchFamily="49" charset="0"/>
               </a:rPr>
-              <a:t>src:</a:t>
+              <a:t>out:</a:t>
             </a:r>
             <a:r>
               <a:rPr lang="sk-SK" b="1" dirty="0" err="1">
